--- a/01-basics-concepts/specificity-cascade-inheritance/specificity-cascade-inheritance.pptx
+++ b/01-basics-concepts/specificity-cascade-inheritance/specificity-cascade-inheritance.pptx
@@ -2662,18 +2662,13 @@
         <a:lstStyle/>
         <a:p>
           <a:r>
-            <a:rPr lang="es-ES">
+            <a:rPr lang="es-ES" dirty="0">
               <a:solidFill>
                 <a:srgbClr val="494738"/>
               </a:solidFill>
             </a:rPr>
             <a:t>Herencia</a:t>
           </a:r>
-          <a:endParaRPr lang="es-ES" dirty="0">
-            <a:solidFill>
-              <a:srgbClr val="494738"/>
-            </a:solidFill>
-          </a:endParaRPr>
         </a:p>
       </dgm:t>
     </dgm:pt>
@@ -2891,18 +2886,14 @@
           <a:pPr algn="l"/>
           <a:r>
             <a:rPr lang="es-ES" b="1" i="0" dirty="0"/>
-            <a:t>Estilos </a:t>
-          </a:r>
-          <a:r>
-            <a:rPr lang="es-ES" b="1" i="0" dirty="0" err="1"/>
-            <a:t>inline</a:t>
+            <a:t>Estilos inline</a:t>
           </a:r>
           <a:r>
             <a:rPr lang="es-ES" b="0" i="0" dirty="0"/>
             <a:t>. Se aplican en el propio elemento HTML mediante el atributo </a:t>
           </a:r>
           <a:r>
-            <a:rPr lang="es-ES" b="1" i="0" dirty="0" err="1"/>
+            <a:rPr lang="es-ES" b="1" i="0" dirty="0"/>
             <a:t>style</a:t>
           </a:r>
           <a:r>
@@ -2920,7 +2911,7 @@
         <a:bodyPr/>
         <a:lstStyle/>
         <a:p>
-          <a:endParaRPr lang="es-ES"/>
+          <a:endParaRPr lang="es-ES" dirty="0"/>
         </a:p>
       </dgm:t>
     </dgm:pt>
@@ -2962,7 +2953,7 @@
         <a:bodyPr/>
         <a:lstStyle/>
         <a:p>
-          <a:endParaRPr lang="es-ES"/>
+          <a:endParaRPr lang="es-ES" dirty="0"/>
         </a:p>
       </dgm:t>
     </dgm:pt>
@@ -2997,18 +2988,13 @@
             <a:buNone/>
           </a:pPr>
           <a:r>
-            <a:rPr lang="es-ES" sz="1000" b="1" i="0" kern="1200">
+            <a:rPr lang="es-ES" sz="1000" b="1" i="0" kern="1200" dirty="0">
               <a:latin typeface="Open Sans"/>
               <a:ea typeface="+mn-ea"/>
               <a:cs typeface="+mn-cs"/>
             </a:rPr>
             <a:t>Clases, atributos y pseudo-clases.</a:t>
           </a:r>
-          <a:endParaRPr lang="es-ES" sz="1000" b="1" i="0" kern="1200" dirty="0">
-            <a:latin typeface="Open Sans"/>
-            <a:ea typeface="+mn-ea"/>
-            <a:cs typeface="+mn-cs"/>
-          </a:endParaRPr>
         </a:p>
       </dgm:t>
     </dgm:pt>
@@ -3019,7 +3005,7 @@
         <a:bodyPr/>
         <a:lstStyle/>
         <a:p>
-          <a:endParaRPr lang="es-ES"/>
+          <a:endParaRPr lang="es-ES" dirty="0"/>
         </a:p>
       </dgm:t>
     </dgm:pt>
@@ -3043,10 +3029,10 @@
         <a:p>
           <a:pPr algn="l"/>
           <a:r>
-            <a:rPr lang="es-ES" b="1" i="0"/>
+            <a:rPr lang="es-ES" b="1" i="0" dirty="0"/>
             <a:t>Elementos y pseudo-elementos</a:t>
           </a:r>
-          <a:endParaRPr lang="es-ES"/>
+          <a:endParaRPr lang="es-ES" dirty="0"/>
         </a:p>
       </dgm:t>
     </dgm:pt>
@@ -3057,7 +3043,7 @@
         <a:bodyPr/>
         <a:lstStyle/>
         <a:p>
-          <a:endParaRPr lang="es-ES"/>
+          <a:endParaRPr lang="es-ES" dirty="0"/>
         </a:p>
       </dgm:t>
     </dgm:pt>
@@ -3288,7 +3274,7 @@
         <a:bodyPr/>
         <a:lstStyle/>
         <a:p>
-          <a:endParaRPr lang="es-ES"/>
+          <a:endParaRPr lang="es-ES" dirty="0"/>
         </a:p>
       </dgm:t>
     </dgm:pt>
@@ -3509,15 +3495,7 @@
           </a:pPr>
           <a:r>
             <a:rPr lang="es-ES" dirty="0"/>
-            <a:t>!</a:t>
-          </a:r>
-          <a:r>
-            <a:rPr lang="es-ES" dirty="0" err="1"/>
-            <a:t>important</a:t>
-          </a:r>
-          <a:r>
-            <a:rPr lang="es-ES" dirty="0"/>
-            <a:t> en CSS diseñador</a:t>
+            <a:t>!important en CSS diseñador</a:t>
           </a:r>
         </a:p>
       </dgm:t>
@@ -3589,15 +3567,7 @@
           </a:pPr>
           <a:r>
             <a:rPr lang="es-ES" dirty="0"/>
-            <a:t>!</a:t>
-          </a:r>
-          <a:r>
-            <a:rPr lang="es-ES" dirty="0" err="1"/>
-            <a:t>important</a:t>
-          </a:r>
-          <a:r>
-            <a:rPr lang="es-ES" dirty="0"/>
-            <a:t> en CSS usuario</a:t>
+            <a:t>!important en CSS usuario</a:t>
           </a:r>
         </a:p>
       </dgm:t>
@@ -4217,18 +4187,13 @@
             <a:buNone/>
           </a:pPr>
           <a:r>
-            <a:rPr lang="es-ES" sz="3100" kern="1200">
+            <a:rPr lang="es-ES" sz="3100" kern="1200" dirty="0">
               <a:solidFill>
                 <a:srgbClr val="494738"/>
               </a:solidFill>
             </a:rPr>
             <a:t>Herencia</a:t>
           </a:r>
-          <a:endParaRPr lang="es-ES" sz="3100" kern="1200" dirty="0">
-            <a:solidFill>
-              <a:srgbClr val="494738"/>
-            </a:solidFill>
-          </a:endParaRPr>
         </a:p>
       </dsp:txBody>
       <dsp:txXfrm>
@@ -4373,7 +4338,7 @@
             </a:spcAft>
             <a:buNone/>
           </a:pPr>
-          <a:endParaRPr lang="es-ES" sz="500" kern="1200"/>
+          <a:endParaRPr lang="es-ES" sz="500" kern="1200" dirty="0"/>
         </a:p>
       </dsp:txBody>
       <dsp:txXfrm>
@@ -4459,7 +4424,7 @@
             </a:spcAft>
             <a:buNone/>
           </a:pPr>
-          <a:endParaRPr lang="es-ES" sz="500" kern="1200"/>
+          <a:endParaRPr lang="es-ES" sz="500" kern="1200" dirty="0"/>
         </a:p>
       </dsp:txBody>
       <dsp:txXfrm>
@@ -4545,7 +4510,7 @@
             </a:spcAft>
             <a:buNone/>
           </a:pPr>
-          <a:endParaRPr lang="es-ES" sz="500" kern="1200"/>
+          <a:endParaRPr lang="es-ES" sz="500" kern="1200" dirty="0"/>
         </a:p>
       </dsp:txBody>
       <dsp:txXfrm>
@@ -4631,7 +4596,7 @@
             </a:spcAft>
             <a:buNone/>
           </a:pPr>
-          <a:endParaRPr lang="es-ES" sz="500" kern="1200"/>
+          <a:endParaRPr lang="es-ES" sz="500" kern="1200" dirty="0"/>
         </a:p>
       </dsp:txBody>
       <dsp:txXfrm>
@@ -4799,12 +4764,12 @@
         </a:fontRef>
       </dsp:style>
       <dsp:txBody>
-        <a:bodyPr spcFirstLastPara="0" vert="horz" wrap="square" lIns="108000" tIns="6350" rIns="6350" bIns="6350" numCol="1" spcCol="1270" anchor="ctr" anchorCtr="0">
+        <a:bodyPr spcFirstLastPara="0" vert="horz" wrap="square" lIns="108000" tIns="5715" rIns="5715" bIns="5715" numCol="1" spcCol="1270" anchor="ctr" anchorCtr="0">
           <a:noAutofit/>
         </a:bodyPr>
         <a:lstStyle/>
         <a:p>
-          <a:pPr marL="0" lvl="0" indent="0" algn="l" defTabSz="444500">
+          <a:pPr marL="0" lvl="0" indent="0" algn="l" defTabSz="400050">
             <a:lnSpc>
               <a:spcPct val="90000"/>
             </a:lnSpc>
@@ -4817,26 +4782,22 @@
             <a:buNone/>
           </a:pPr>
           <a:r>
-            <a:rPr lang="es-ES" sz="1000" b="1" i="0" kern="1200" dirty="0"/>
-            <a:t>Estilos </a:t>
+            <a:rPr lang="es-ES" sz="900" b="1" i="0" kern="1200" dirty="0"/>
+            <a:t>Estilos inline</a:t>
           </a:r>
           <a:r>
-            <a:rPr lang="es-ES" sz="1000" b="1" i="0" kern="1200" dirty="0" err="1"/>
-            <a:t>inline</a:t>
-          </a:r>
-          <a:r>
-            <a:rPr lang="es-ES" sz="1000" b="0" i="0" kern="1200" dirty="0"/>
+            <a:rPr lang="es-ES" sz="900" b="0" i="0" kern="1200" dirty="0"/>
             <a:t>. Se aplican en el propio elemento HTML mediante el atributo </a:t>
           </a:r>
           <a:r>
-            <a:rPr lang="es-ES" sz="1000" b="1" i="0" kern="1200" dirty="0" err="1"/>
+            <a:rPr lang="es-ES" sz="900" b="1" i="0" kern="1200" dirty="0"/>
             <a:t>style</a:t>
           </a:r>
           <a:r>
-            <a:rPr lang="es-ES" sz="1000" b="0" i="0" kern="1200" dirty="0"/>
+            <a:rPr lang="es-ES" sz="900" b="0" i="0" kern="1200" dirty="0"/>
             <a:t>. No recomendable.</a:t>
           </a:r>
-          <a:endParaRPr lang="es-ES" sz="1000" kern="1200" dirty="0"/>
+          <a:endParaRPr lang="es-ES" sz="900" kern="1200" dirty="0"/>
         </a:p>
       </dsp:txBody>
       <dsp:txXfrm>
@@ -4915,7 +4876,7 @@
         </a:bodyPr>
         <a:lstStyle/>
         <a:p>
-          <a:pPr marL="0" lvl="0" indent="0" algn="l" defTabSz="444500">
+          <a:pPr marL="0" lvl="0" indent="0" algn="l" defTabSz="355600">
             <a:lnSpc>
               <a:spcPct val="90000"/>
             </a:lnSpc>
@@ -4928,14 +4889,14 @@
             <a:buNone/>
           </a:pPr>
           <a:r>
-            <a:rPr lang="es-ES" sz="1000" b="1" i="0" kern="1200" dirty="0"/>
+            <a:rPr lang="es-ES" sz="800" b="1" i="0" kern="1200" dirty="0"/>
             <a:t>Selectores ID</a:t>
           </a:r>
           <a:r>
-            <a:rPr lang="es-ES" sz="1000" b="0" i="0" kern="1200" dirty="0"/>
+            <a:rPr lang="es-ES" sz="800" b="0" i="0" kern="1200" dirty="0"/>
             <a:t>. (identificadores) Son los selectores más específicos ya que hacen referencia a un único elemento dentro del documento.</a:t>
           </a:r>
-          <a:endParaRPr lang="es-ES" sz="1000" kern="1200" dirty="0"/>
+          <a:endParaRPr lang="es-ES" sz="800" kern="1200" dirty="0"/>
         </a:p>
       </dsp:txBody>
       <dsp:txXfrm>
@@ -5027,18 +4988,13 @@
             <a:buNone/>
           </a:pPr>
           <a:r>
-            <a:rPr lang="es-ES" sz="1000" b="1" i="0" kern="1200">
+            <a:rPr lang="es-ES" sz="1000" b="1" i="0" kern="1200" dirty="0">
               <a:latin typeface="Open Sans"/>
               <a:ea typeface="+mn-ea"/>
               <a:cs typeface="+mn-cs"/>
             </a:rPr>
             <a:t>Clases, atributos y pseudo-clases.</a:t>
           </a:r>
-          <a:endParaRPr lang="es-ES" sz="1000" b="1" i="0" kern="1200" dirty="0">
-            <a:latin typeface="Open Sans"/>
-            <a:ea typeface="+mn-ea"/>
-            <a:cs typeface="+mn-cs"/>
-          </a:endParaRPr>
         </a:p>
       </dsp:txBody>
       <dsp:txXfrm>
@@ -5112,12 +5068,12 @@
         </a:fontRef>
       </dsp:style>
       <dsp:txBody>
-        <a:bodyPr spcFirstLastPara="0" vert="horz" wrap="square" lIns="108000" tIns="6350" rIns="6350" bIns="6350" numCol="1" spcCol="1270" anchor="ctr" anchorCtr="0">
+        <a:bodyPr spcFirstLastPara="0" vert="horz" wrap="square" lIns="108000" tIns="5080" rIns="5080" bIns="5080" numCol="1" spcCol="1270" anchor="ctr" anchorCtr="0">
           <a:noAutofit/>
         </a:bodyPr>
         <a:lstStyle/>
         <a:p>
-          <a:pPr marL="0" lvl="0" indent="0" algn="l" defTabSz="444500">
+          <a:pPr marL="0" lvl="0" indent="0" algn="l" defTabSz="355600">
             <a:lnSpc>
               <a:spcPct val="90000"/>
             </a:lnSpc>
@@ -5130,10 +5086,10 @@
             <a:buNone/>
           </a:pPr>
           <a:r>
-            <a:rPr lang="es-ES" sz="1000" b="1" i="0" kern="1200"/>
+            <a:rPr lang="es-ES" sz="800" b="1" i="0" kern="1200" dirty="0"/>
             <a:t>Elementos y pseudo-elementos</a:t>
           </a:r>
-          <a:endParaRPr lang="es-ES" sz="1000" kern="1200"/>
+          <a:endParaRPr lang="es-ES" sz="800" kern="1200" dirty="0"/>
         </a:p>
       </dsp:txBody>
       <dsp:txXfrm>
@@ -5744,15 +5700,7 @@
           </a:pPr>
           <a:r>
             <a:rPr lang="es-ES" sz="2000" kern="1200" dirty="0"/>
-            <a:t>!</a:t>
-          </a:r>
-          <a:r>
-            <a:rPr lang="es-ES" sz="2000" kern="1200" dirty="0" err="1"/>
-            <a:t>important</a:t>
-          </a:r>
-          <a:r>
-            <a:rPr lang="es-ES" sz="2000" kern="1200" dirty="0"/>
-            <a:t> en CSS diseñador</a:t>
+            <a:t>!important en CSS diseñador</a:t>
           </a:r>
         </a:p>
       </dsp:txBody>
@@ -5902,15 +5850,7 @@
           </a:pPr>
           <a:r>
             <a:rPr lang="es-ES" sz="2000" kern="1200" dirty="0"/>
-            <a:t>!</a:t>
-          </a:r>
-          <a:r>
-            <a:rPr lang="es-ES" sz="2000" kern="1200" dirty="0" err="1"/>
-            <a:t>important</a:t>
-          </a:r>
-          <a:r>
-            <a:rPr lang="es-ES" sz="2000" kern="1200" dirty="0"/>
-            <a:t> en CSS usuario</a:t>
+            <a:t>!important en CSS usuario</a:t>
           </a:r>
         </a:p>
       </dsp:txBody>
@@ -11848,17 +11788,7 @@
                 <a:effectLst/>
                 <a:latin typeface="Helvetica Neue"/>
               </a:rPr>
-              <a:t>Estilos </a:t>
-            </a:r>
-            <a:r>
-              <a:rPr lang="es-ES" b="1" i="0" dirty="0" err="1">
-                <a:solidFill>
-                  <a:srgbClr val="000000"/>
-                </a:solidFill>
-                <a:effectLst/>
-                <a:latin typeface="Helvetica Neue"/>
-              </a:rPr>
-              <a:t>inline</a:t>
+              <a:t>Estilos inline</a:t>
             </a:r>
             <a:r>
               <a:rPr lang="es-ES" b="0" i="0" dirty="0">
@@ -11871,7 +11801,7 @@
               <a:t>. Se aplican en el propio elemento HTML mediante el atributo </a:t>
             </a:r>
             <a:r>
-              <a:rPr lang="es-ES" dirty="0" err="1"/>
+              <a:rPr lang="es-ES" dirty="0"/>
               <a:t>style</a:t>
             </a:r>
             <a:r>
@@ -11980,27 +11910,7 @@
                 <a:effectLst/>
                 <a:latin typeface="Helvetica Neue"/>
               </a:rPr>
-              <a:t>El uso de !</a:t>
-            </a:r>
-            <a:r>
-              <a:rPr lang="es-ES" b="1" i="0" dirty="0" err="1">
-                <a:solidFill>
-                  <a:srgbClr val="000000"/>
-                </a:solidFill>
-                <a:effectLst/>
-                <a:latin typeface="Helvetica Neue"/>
-              </a:rPr>
-              <a:t>important</a:t>
-            </a:r>
-            <a:r>
-              <a:rPr lang="es-ES" b="1" i="0" dirty="0">
-                <a:solidFill>
-                  <a:srgbClr val="000000"/>
-                </a:solidFill>
-                <a:effectLst/>
-                <a:latin typeface="Helvetica Neue"/>
-              </a:rPr>
-              <a:t> está considerado como una mala práctica</a:t>
+              <a:t>El uso de !important está considerado como una mala práctica</a:t>
             </a:r>
             <a:r>
               <a:rPr lang="es-ES" b="0" i="0" dirty="0">
@@ -15897,50 +15807,13 @@
           </a:lstStyle>
           <a:p>
             <a:r>
-              <a:rPr lang="en-US" sz="4000" spc="-200" dirty="0" err="1">
-                <a:latin typeface="Open Sans" panose="020B0606030504020204" pitchFamily="34" charset="0"/>
-                <a:ea typeface="Open Sans" panose="020B0606030504020204" pitchFamily="34" charset="0"/>
-                <a:cs typeface="Open Sans" panose="020B0606030504020204" pitchFamily="34" charset="0"/>
-              </a:rPr>
-              <a:t>Especificidad</a:t>
-            </a:r>
-            <a:r>
               <a:rPr lang="en-US" sz="4000" spc="-200" dirty="0">
                 <a:latin typeface="Open Sans" panose="020B0606030504020204" pitchFamily="34" charset="0"/>
                 <a:ea typeface="Open Sans" panose="020B0606030504020204" pitchFamily="34" charset="0"/>
                 <a:cs typeface="Open Sans" panose="020B0606030504020204" pitchFamily="34" charset="0"/>
               </a:rPr>
-              <a:t>, </a:t>
+              <a:t>Especificidad, Cascada, Herencia</a:t>
             </a:r>
-            <a:r>
-              <a:rPr lang="en-US" sz="4000" spc="-200" dirty="0" err="1">
-                <a:latin typeface="Open Sans" panose="020B0606030504020204" pitchFamily="34" charset="0"/>
-                <a:ea typeface="Open Sans" panose="020B0606030504020204" pitchFamily="34" charset="0"/>
-                <a:cs typeface="Open Sans" panose="020B0606030504020204" pitchFamily="34" charset="0"/>
-              </a:rPr>
-              <a:t>Cascada</a:t>
-            </a:r>
-            <a:r>
-              <a:rPr lang="en-US" sz="4000" spc="-200" dirty="0">
-                <a:latin typeface="Open Sans" panose="020B0606030504020204" pitchFamily="34" charset="0"/>
-                <a:ea typeface="Open Sans" panose="020B0606030504020204" pitchFamily="34" charset="0"/>
-                <a:cs typeface="Open Sans" panose="020B0606030504020204" pitchFamily="34" charset="0"/>
-              </a:rPr>
-              <a:t>, </a:t>
-            </a:r>
-            <a:r>
-              <a:rPr lang="en-US" sz="4000" spc="-200" dirty="0" err="1">
-                <a:latin typeface="Open Sans" panose="020B0606030504020204" pitchFamily="34" charset="0"/>
-                <a:ea typeface="Open Sans" panose="020B0606030504020204" pitchFamily="34" charset="0"/>
-                <a:cs typeface="Open Sans" panose="020B0606030504020204" pitchFamily="34" charset="0"/>
-              </a:rPr>
-              <a:t>Herencia</a:t>
-            </a:r>
-            <a:endParaRPr lang="en-US" sz="4000" spc="-200" dirty="0">
-              <a:latin typeface="Open Sans" panose="020B0606030504020204" pitchFamily="34" charset="0"/>
-              <a:ea typeface="Open Sans" panose="020B0606030504020204" pitchFamily="34" charset="0"/>
-              <a:cs typeface="Open Sans" panose="020B0606030504020204" pitchFamily="34" charset="0"/>
-            </a:endParaRPr>
           </a:p>
         </p:txBody>
       </p:sp>
@@ -16141,7 +16014,7 @@
               <a:buChar char="•"/>
             </a:pPr>
             <a:r>
-              <a:rPr lang="es-ES" sz="1400" b="1" u="sng" dirty="0" err="1">
+              <a:rPr lang="es-ES" sz="1400" b="1" u="sng" dirty="0">
                 <a:solidFill>
                   <a:schemeClr val="bg1"/>
                 </a:solidFill>
@@ -16174,7 +16047,7 @@
               <a:buChar char="•"/>
             </a:pPr>
             <a:r>
-              <a:rPr lang="es-ES" sz="1400" b="1" u="sng" dirty="0" err="1">
+              <a:rPr lang="es-ES" sz="1400" b="1" u="sng" dirty="0">
                 <a:solidFill>
                   <a:schemeClr val="bg1"/>
                 </a:solidFill>
@@ -16187,23 +16060,7 @@
                   <a:schemeClr val="bg1"/>
                 </a:solidFill>
               </a:rPr>
-              <a:t> hace que la propiedad del elemento al cual se aplica tenga el mismo valor </a:t>
-            </a:r>
-            <a:r>
-              <a:rPr lang="es-ES" sz="1400" b="1" dirty="0">
-                <a:solidFill>
-                  <a:schemeClr val="bg1"/>
-                </a:solidFill>
-              </a:rPr>
-              <a:t>que esté establecido para esa propiedad </a:t>
-            </a:r>
-            <a:r>
-              <a:rPr lang="es-ES" sz="1400" dirty="0">
-                <a:solidFill>
-                  <a:schemeClr val="bg1"/>
-                </a:solidFill>
-              </a:rPr>
-              <a:t>en la hoja de estilo por defecto del navegador.</a:t>
+              <a:t> hace que la propiedad del elemento al cual se aplica tenga el mismo valor que esté establecido para esa propiedad en la hoja de estilo por defecto del navegador.</a:t>
             </a:r>
           </a:p>
           <a:p>
@@ -16223,7 +16080,7 @@
               <a:buChar char="•"/>
             </a:pPr>
             <a:r>
-              <a:rPr lang="es-ES" sz="1400" b="1" u="sng" dirty="0" err="1">
+              <a:rPr lang="es-ES" sz="1400" b="1" u="sng" dirty="0">
                 <a:solidFill>
                   <a:schemeClr val="bg1"/>
                 </a:solidFill>
@@ -16236,39 +16093,7 @@
                   <a:schemeClr val="bg1"/>
                 </a:solidFill>
               </a:rPr>
-              <a:t> restablece la propiedad a su valor natural, lo que significa que si la propiedad se hereda de forma natural, actúa como `</a:t>
-            </a:r>
-            <a:r>
-              <a:rPr lang="es-ES" sz="1400" dirty="0" err="1">
-                <a:solidFill>
-                  <a:schemeClr val="bg1"/>
-                </a:solidFill>
-              </a:rPr>
-              <a:t>inherit</a:t>
-            </a:r>
-            <a:r>
-              <a:rPr lang="es-ES" sz="1400" dirty="0">
-                <a:solidFill>
-                  <a:schemeClr val="bg1"/>
-                </a:solidFill>
-              </a:rPr>
-              <a:t>`, y en caso contrario como `</a:t>
-            </a:r>
-            <a:r>
-              <a:rPr lang="es-ES" sz="1400" dirty="0" err="1">
-                <a:solidFill>
-                  <a:schemeClr val="bg1"/>
-                </a:solidFill>
-              </a:rPr>
-              <a:t>initial</a:t>
-            </a:r>
-            <a:r>
-              <a:rPr lang="es-ES" sz="1400" dirty="0">
-                <a:solidFill>
-                  <a:schemeClr val="bg1"/>
-                </a:solidFill>
-              </a:rPr>
-              <a:t>`.</a:t>
+              <a:t> restablece la propiedad a su valor natural, lo que significa que si la propiedad se hereda de forma natural, actúa como `inherit`, y en caso contrario como `initial`.</a:t>
             </a:r>
           </a:p>
           <a:p>
@@ -16288,20 +16113,12 @@
               <a:buChar char="•"/>
             </a:pPr>
             <a:r>
-              <a:rPr lang="es-ES" sz="1400" b="1" u="sng" dirty="0" err="1">
-                <a:solidFill>
-                  <a:schemeClr val="bg1"/>
-                </a:solidFill>
-              </a:rPr>
-              <a:t>revert</a:t>
-            </a:r>
-            <a:r>
               <a:rPr lang="es-ES" sz="1400" b="1" u="sng" dirty="0">
                 <a:solidFill>
                   <a:schemeClr val="bg1"/>
                 </a:solidFill>
               </a:rPr>
-              <a:t> </a:t>
+              <a:t>revert </a:t>
             </a:r>
             <a:r>
               <a:rPr lang="es-ES" sz="1400" dirty="0">
@@ -16309,23 +16126,7 @@
                   <a:schemeClr val="bg1"/>
                 </a:solidFill>
               </a:rPr>
-              <a:t>restablece la propiedad a su valor heredado si hereda de su padre o al valor predeterminado establecido para esa propiedad en el elemento por el navegador o usuario. Se puede aplicar a cualquier propiedad CSS incluida la abreviatura `</a:t>
-            </a:r>
-            <a:r>
-              <a:rPr lang="es-ES" sz="1400" dirty="0" err="1">
-                <a:solidFill>
-                  <a:schemeClr val="bg1"/>
-                </a:solidFill>
-              </a:rPr>
-              <a:t>all</a:t>
-            </a:r>
-            <a:r>
-              <a:rPr lang="es-ES" sz="1400" dirty="0">
-                <a:solidFill>
-                  <a:schemeClr val="bg1"/>
-                </a:solidFill>
-              </a:rPr>
-              <a:t>`.</a:t>
+              <a:t>restablece la propiedad a su valor heredado si hereda de su padre o al valor predeterminado establecido para esa propiedad en el elemento por el navegador o usuario. Se puede aplicar a cualquier propiedad CSS incluida la abreviatura `all`.</a:t>
             </a:r>
           </a:p>
         </p:txBody>
@@ -16826,7 +16627,7 @@
               <a:t>&lt;</a:t>
             </a:r>
             <a:r>
-              <a:rPr lang="es-ES" sz="1000" b="0" dirty="0" err="1">
+              <a:rPr lang="es-ES" sz="1000" b="0" dirty="0">
                 <a:solidFill>
                   <a:srgbClr val="FF2C6B"/>
                 </a:solidFill>
@@ -16860,7 +16661,7 @@
               <a:t>    </a:t>
             </a:r>
             <a:r>
-              <a:rPr lang="es-ES" sz="1000" b="0" dirty="0" err="1">
+              <a:rPr lang="es-ES" sz="1000" b="0" dirty="0">
                 <a:solidFill>
                   <a:srgbClr val="FF2C6B"/>
                 </a:solidFill>
@@ -16904,7 +16705,7 @@
               <a:t> </a:t>
             </a:r>
             <a:r>
-              <a:rPr lang="es-ES" sz="1000" b="0" dirty="0" err="1">
+              <a:rPr lang="es-ES" sz="1000" b="0" dirty="0">
                 <a:solidFill>
                   <a:srgbClr val="A0B9C4"/>
                 </a:solidFill>
@@ -16931,7 +16732,7 @@
               <a:t> </a:t>
             </a:r>
             <a:r>
-              <a:rPr lang="es-ES" sz="1000" b="0" dirty="0" err="1">
+              <a:rPr lang="es-ES" sz="1000" b="0" dirty="0">
                 <a:solidFill>
                   <a:srgbClr val="7CC0D1"/>
                 </a:solidFill>
@@ -17029,7 +16830,7 @@
               <a:t>  </a:t>
             </a:r>
             <a:r>
-              <a:rPr lang="es-ES" sz="1000" b="0" dirty="0" err="1">
+              <a:rPr lang="es-ES" sz="1000" b="0" dirty="0">
                 <a:solidFill>
                   <a:srgbClr val="A0B9C4"/>
                 </a:solidFill>
@@ -17056,7 +16857,7 @@
               <a:t> </a:t>
             </a:r>
             <a:r>
-              <a:rPr lang="es-ES" sz="1000" b="0" dirty="0" err="1">
+              <a:rPr lang="es-ES" sz="1000" b="0" dirty="0">
                 <a:solidFill>
                   <a:srgbClr val="7CC0D1"/>
                 </a:solidFill>
@@ -17109,7 +16910,7 @@
               <a:t>&lt;/</a:t>
             </a:r>
             <a:r>
-              <a:rPr lang="es-ES" sz="1000" b="0" dirty="0" err="1">
+              <a:rPr lang="es-ES" sz="1000" b="0" dirty="0">
                 <a:solidFill>
                   <a:srgbClr val="FF2C6B"/>
                 </a:solidFill>
@@ -17143,61 +16944,7 @@
                 </a:solidFill>
                 <a:effectLst/>
               </a:rPr>
-              <a:t>&lt;!-- </a:t>
-            </a:r>
-            <a:r>
-              <a:rPr lang="es-ES" sz="1000" b="0" i="1" dirty="0" err="1">
-                <a:solidFill>
-                  <a:srgbClr val="8A8787"/>
-                </a:solidFill>
-                <a:effectLst/>
-              </a:rPr>
-              <a:t>Inherit</a:t>
-            </a:r>
-            <a:r>
-              <a:rPr lang="es-ES" sz="1000" b="0" i="1" dirty="0">
-                <a:solidFill>
-                  <a:srgbClr val="8A8787"/>
-                </a:solidFill>
-                <a:effectLst/>
-              </a:rPr>
-              <a:t> en el h3 hace que su propiedad "</a:t>
-            </a:r>
-            <a:r>
-              <a:rPr lang="es-ES" sz="1000" b="0" i="1" dirty="0" err="1">
-                <a:solidFill>
-                  <a:srgbClr val="8A8787"/>
-                </a:solidFill>
-                <a:effectLst/>
-              </a:rPr>
-              <a:t>font-weight</a:t>
-            </a:r>
-            <a:r>
-              <a:rPr lang="es-ES" sz="1000" b="0" i="1" dirty="0">
-                <a:solidFill>
-                  <a:srgbClr val="8A8787"/>
-                </a:solidFill>
-                <a:effectLst/>
-              </a:rPr>
-              <a:t>" tome el valor del padre, es decir "</a:t>
-            </a:r>
-            <a:r>
-              <a:rPr lang="es-ES" sz="1000" b="0" i="1" dirty="0" err="1">
-                <a:solidFill>
-                  <a:srgbClr val="8A8787"/>
-                </a:solidFill>
-                <a:effectLst/>
-              </a:rPr>
-              <a:t>bold</a:t>
-            </a:r>
-            <a:r>
-              <a:rPr lang="es-ES" sz="1000" b="0" i="1" dirty="0">
-                <a:solidFill>
-                  <a:srgbClr val="8A8787"/>
-                </a:solidFill>
-                <a:effectLst/>
-              </a:rPr>
-              <a:t>" --&gt;</a:t>
+              <a:t>&lt;!-- Inherit en el h3 hace que su propiedad "font-weight" tome el valor del padre, es decir "bold" --&gt;</a:t>
             </a:r>
             <a:endParaRPr lang="es-ES" sz="1000" b="0" dirty="0">
               <a:solidFill>
@@ -17226,7 +16973,7 @@
               <a:t>&lt;</a:t>
             </a:r>
             <a:r>
-              <a:rPr lang="es-ES" sz="1000" b="0" dirty="0" err="1">
+              <a:rPr lang="es-ES" sz="1000" b="0" dirty="0">
                 <a:solidFill>
                   <a:srgbClr val="FF2C6B"/>
                 </a:solidFill>
@@ -17288,7 +17035,7 @@
               <a:t> </a:t>
             </a:r>
             <a:r>
-              <a:rPr lang="es-ES" sz="1000" b="0" dirty="0" err="1">
+              <a:rPr lang="es-ES" sz="1000" b="0" dirty="0">
                 <a:solidFill>
                   <a:srgbClr val="FFCC95"/>
                 </a:solidFill>
@@ -17315,40 +17062,13 @@
               <a:t>"</a:t>
             </a:r>
             <a:r>
-              <a:rPr lang="es-ES" sz="1000" b="0" dirty="0" err="1">
-                <a:solidFill>
-                  <a:srgbClr val="00ABC1"/>
-                </a:solidFill>
-                <a:effectLst/>
-              </a:rPr>
-              <a:t>font-weight</a:t>
-            </a:r>
-            <a:r>
               <a:rPr lang="es-ES" sz="1000" b="0" dirty="0">
                 <a:solidFill>
                   <a:srgbClr val="00ABC1"/>
                 </a:solidFill>
                 <a:effectLst/>
               </a:rPr>
-              <a:t>: </a:t>
-            </a:r>
-            <a:r>
-              <a:rPr lang="es-ES" sz="1000" b="0" dirty="0" err="1">
-                <a:solidFill>
-                  <a:srgbClr val="00ABC1"/>
-                </a:solidFill>
-                <a:effectLst/>
-              </a:rPr>
-              <a:t>inherit</a:t>
-            </a:r>
-            <a:r>
-              <a:rPr lang="es-ES" sz="1000" b="0" dirty="0">
-                <a:solidFill>
-                  <a:srgbClr val="00ABC1"/>
-                </a:solidFill>
-                <a:effectLst/>
-              </a:rPr>
-              <a:t>;</a:t>
+              <a:t>font-weight: inherit;</a:t>
             </a:r>
             <a:r>
               <a:rPr lang="es-ES" sz="1000" b="0" dirty="0">
@@ -17413,7 +17133,7 @@
               <a:t>&lt;/</a:t>
             </a:r>
             <a:r>
-              <a:rPr lang="es-ES" sz="1000" b="0" dirty="0" err="1">
+              <a:rPr lang="es-ES" sz="1000" b="0" dirty="0">
                 <a:solidFill>
                   <a:srgbClr val="FF2C6B"/>
                 </a:solidFill>
@@ -17462,61 +17182,7 @@
                 </a:solidFill>
                 <a:effectLst/>
               </a:rPr>
-              <a:t>&lt;!-- </a:t>
-            </a:r>
-            <a:r>
-              <a:rPr lang="es-ES" sz="1000" b="0" i="1" dirty="0" err="1">
-                <a:solidFill>
-                  <a:srgbClr val="8A8787"/>
-                </a:solidFill>
-                <a:effectLst/>
-              </a:rPr>
-              <a:t>Initial</a:t>
-            </a:r>
-            <a:r>
-              <a:rPr lang="es-ES" sz="1000" b="0" i="1" dirty="0">
-                <a:solidFill>
-                  <a:srgbClr val="8A8787"/>
-                </a:solidFill>
-                <a:effectLst/>
-              </a:rPr>
-              <a:t> restablece el texto como "</a:t>
-            </a:r>
-            <a:r>
-              <a:rPr lang="es-ES" sz="1000" b="0" i="1" dirty="0" err="1">
-                <a:solidFill>
-                  <a:srgbClr val="8A8787"/>
-                </a:solidFill>
-                <a:effectLst/>
-              </a:rPr>
-              <a:t>font-weight</a:t>
-            </a:r>
-            <a:r>
-              <a:rPr lang="es-ES" sz="1000" b="0" i="1" dirty="0">
-                <a:solidFill>
-                  <a:srgbClr val="8A8787"/>
-                </a:solidFill>
-                <a:effectLst/>
-              </a:rPr>
-              <a:t>: normal" porque este es el valor por defecto de la propiedad "</a:t>
-            </a:r>
-            <a:r>
-              <a:rPr lang="es-ES" sz="1000" b="0" i="1" dirty="0" err="1">
-                <a:solidFill>
-                  <a:srgbClr val="8A8787"/>
-                </a:solidFill>
-                <a:effectLst/>
-              </a:rPr>
-              <a:t>font-weight</a:t>
-            </a:r>
-            <a:r>
-              <a:rPr lang="es-ES" sz="1000" b="0" i="1" dirty="0">
-                <a:solidFill>
-                  <a:srgbClr val="8A8787"/>
-                </a:solidFill>
-                <a:effectLst/>
-              </a:rPr>
-              <a:t>"  --&gt;</a:t>
+              <a:t>&lt;!-- Initial restablece el texto como "font-weight: normal" porque este es el valor por defecto de la propiedad "font-weight"  --&gt;</a:t>
             </a:r>
             <a:endParaRPr lang="es-ES" sz="1000" b="0" dirty="0">
               <a:solidFill>
@@ -17563,7 +17229,7 @@
               <a:t> </a:t>
             </a:r>
             <a:r>
-              <a:rPr lang="es-ES" sz="1000" b="0" dirty="0" err="1">
+              <a:rPr lang="es-ES" sz="1000" b="0" dirty="0">
                 <a:solidFill>
                   <a:srgbClr val="FFCC95"/>
                 </a:solidFill>
@@ -17590,40 +17256,13 @@
               <a:t>"</a:t>
             </a:r>
             <a:r>
-              <a:rPr lang="es-ES" sz="1000" b="0" dirty="0" err="1">
-                <a:solidFill>
-                  <a:srgbClr val="00ABC1"/>
-                </a:solidFill>
-                <a:effectLst/>
-              </a:rPr>
-              <a:t>font-weight</a:t>
-            </a:r>
-            <a:r>
               <a:rPr lang="es-ES" sz="1000" b="0" dirty="0">
                 <a:solidFill>
                   <a:srgbClr val="00ABC1"/>
                 </a:solidFill>
                 <a:effectLst/>
               </a:rPr>
-              <a:t>: </a:t>
-            </a:r>
-            <a:r>
-              <a:rPr lang="es-ES" sz="1000" b="0" dirty="0" err="1">
-                <a:solidFill>
-                  <a:srgbClr val="00ABC1"/>
-                </a:solidFill>
-                <a:effectLst/>
-              </a:rPr>
-              <a:t>initial</a:t>
-            </a:r>
-            <a:r>
-              <a:rPr lang="es-ES" sz="1000" b="0" dirty="0">
-                <a:solidFill>
-                  <a:srgbClr val="00ABC1"/>
-                </a:solidFill>
-                <a:effectLst/>
-              </a:rPr>
-              <a:t>;</a:t>
+              <a:t>font-weight: initial;</a:t>
             </a:r>
             <a:r>
               <a:rPr lang="es-ES" sz="1000" b="0" dirty="0">
@@ -17693,115 +17332,7 @@
                 </a:solidFill>
                 <a:effectLst/>
               </a:rPr>
-              <a:t>&lt;!-- </a:t>
-            </a:r>
-            <a:r>
-              <a:rPr lang="es-ES" sz="1000" b="0" i="1" dirty="0" err="1">
-                <a:solidFill>
-                  <a:srgbClr val="8A8787"/>
-                </a:solidFill>
-                <a:effectLst/>
-              </a:rPr>
-              <a:t>Unset</a:t>
-            </a:r>
-            <a:r>
-              <a:rPr lang="es-ES" sz="1000" b="0" i="1" dirty="0">
-                <a:solidFill>
-                  <a:srgbClr val="8A8787"/>
-                </a:solidFill>
-                <a:effectLst/>
-              </a:rPr>
-              <a:t> restablece el texto como "</a:t>
-            </a:r>
-            <a:r>
-              <a:rPr lang="es-ES" sz="1000" b="0" i="1" dirty="0" err="1">
-                <a:solidFill>
-                  <a:srgbClr val="8A8787"/>
-                </a:solidFill>
-                <a:effectLst/>
-              </a:rPr>
-              <a:t>font-weight</a:t>
-            </a:r>
-            <a:r>
-              <a:rPr lang="es-ES" sz="1000" b="0" i="1" dirty="0">
-                <a:solidFill>
-                  <a:srgbClr val="8A8787"/>
-                </a:solidFill>
-                <a:effectLst/>
-              </a:rPr>
-              <a:t>: normal" porque este es el valor por defecto de la propiedad "</a:t>
-            </a:r>
-            <a:r>
-              <a:rPr lang="es-ES" sz="1000" b="0" i="1" dirty="0" err="1">
-                <a:solidFill>
-                  <a:srgbClr val="8A8787"/>
-                </a:solidFill>
-                <a:effectLst/>
-              </a:rPr>
-              <a:t>font-weight</a:t>
-            </a:r>
-            <a:r>
-              <a:rPr lang="es-ES" sz="1000" b="0" i="1" dirty="0">
-                <a:solidFill>
-                  <a:srgbClr val="8A8787"/>
-                </a:solidFill>
-                <a:effectLst/>
-              </a:rPr>
-              <a:t>" (</a:t>
-            </a:r>
-            <a:r>
-              <a:rPr lang="es-ES" sz="1000" b="0" i="1" dirty="0" err="1">
-                <a:solidFill>
-                  <a:srgbClr val="8A8787"/>
-                </a:solidFill>
-                <a:effectLst/>
-              </a:rPr>
-              <a:t>unset</a:t>
-            </a:r>
-            <a:r>
-              <a:rPr lang="es-ES" sz="1000" b="0" i="1" dirty="0">
-                <a:solidFill>
-                  <a:srgbClr val="8A8787"/>
-                </a:solidFill>
-                <a:effectLst/>
-              </a:rPr>
-              <a:t> en este caso </a:t>
-            </a:r>
-            <a:r>
-              <a:rPr lang="es-ES" sz="1000" b="0" i="1" dirty="0" err="1">
-                <a:solidFill>
-                  <a:srgbClr val="8A8787"/>
-                </a:solidFill>
-                <a:effectLst/>
-              </a:rPr>
-              <a:t>actua</a:t>
-            </a:r>
-            <a:r>
-              <a:rPr lang="es-ES" sz="1000" b="0" i="1" dirty="0">
-                <a:solidFill>
-                  <a:srgbClr val="8A8787"/>
-                </a:solidFill>
-                <a:effectLst/>
-              </a:rPr>
-              <a:t> como </a:t>
-            </a:r>
-            <a:r>
-              <a:rPr lang="es-ES" sz="1000" b="0" i="1" dirty="0" err="1">
-                <a:solidFill>
-                  <a:srgbClr val="8A8787"/>
-                </a:solidFill>
-                <a:effectLst/>
-              </a:rPr>
-              <a:t>initial</a:t>
-            </a:r>
-            <a:r>
-              <a:rPr lang="es-ES" sz="1000" b="0" i="1" dirty="0">
-                <a:solidFill>
-                  <a:srgbClr val="8A8787"/>
-                </a:solidFill>
-                <a:effectLst/>
-              </a:rPr>
-              <a:t>)  --&gt;</a:t>
+              <a:t>&lt;!-- Unset restablece el texto como "font-weight: normal" porque este es el valor por defecto de la propiedad "font-weight" (unset en este caso actúa como initial)  --&gt;</a:t>
             </a:r>
             <a:endParaRPr lang="es-ES" sz="1000" b="0" dirty="0">
               <a:solidFill>
@@ -17848,7 +17379,7 @@
               <a:t> </a:t>
             </a:r>
             <a:r>
-              <a:rPr lang="es-ES" sz="1000" b="0" dirty="0" err="1">
+              <a:rPr lang="es-ES" sz="1000" b="0" dirty="0">
                 <a:solidFill>
                   <a:srgbClr val="FFCC95"/>
                 </a:solidFill>
@@ -17875,40 +17406,13 @@
               <a:t>"</a:t>
             </a:r>
             <a:r>
-              <a:rPr lang="es-ES" sz="1000" b="0" dirty="0" err="1">
-                <a:solidFill>
-                  <a:srgbClr val="00ABC1"/>
-                </a:solidFill>
-                <a:effectLst/>
-              </a:rPr>
-              <a:t>font-weight</a:t>
-            </a:r>
-            <a:r>
               <a:rPr lang="es-ES" sz="1000" b="0" dirty="0">
                 <a:solidFill>
                   <a:srgbClr val="00ABC1"/>
                 </a:solidFill>
                 <a:effectLst/>
               </a:rPr>
-              <a:t>: </a:t>
-            </a:r>
-            <a:r>
-              <a:rPr lang="es-ES" sz="1000" b="0" dirty="0" err="1">
-                <a:solidFill>
-                  <a:srgbClr val="00ABC1"/>
-                </a:solidFill>
-                <a:effectLst/>
-              </a:rPr>
-              <a:t>unset</a:t>
-            </a:r>
-            <a:r>
-              <a:rPr lang="es-ES" sz="1000" b="0" dirty="0">
-                <a:solidFill>
-                  <a:srgbClr val="00ABC1"/>
-                </a:solidFill>
-                <a:effectLst/>
-              </a:rPr>
-              <a:t>;</a:t>
+              <a:t>font-weight: unset;</a:t>
             </a:r>
             <a:r>
               <a:rPr lang="es-ES" sz="1000" b="0" dirty="0">
@@ -17978,115 +17482,7 @@
                 </a:solidFill>
                 <a:effectLst/>
               </a:rPr>
-              <a:t>&lt;!-- </a:t>
-            </a:r>
-            <a:r>
-              <a:rPr lang="es-ES" sz="1000" b="0" i="1" dirty="0" err="1">
-                <a:solidFill>
-                  <a:srgbClr val="8A8787"/>
-                </a:solidFill>
-                <a:effectLst/>
-              </a:rPr>
-              <a:t>Unset</a:t>
-            </a:r>
-            <a:r>
-              <a:rPr lang="es-ES" sz="1000" b="0" i="1" dirty="0">
-                <a:solidFill>
-                  <a:srgbClr val="8A8787"/>
-                </a:solidFill>
-                <a:effectLst/>
-              </a:rPr>
-              <a:t> en el h3 hace que su propiedad "</a:t>
-            </a:r>
-            <a:r>
-              <a:rPr lang="es-ES" sz="1000" b="0" i="1" dirty="0" err="1">
-                <a:solidFill>
-                  <a:srgbClr val="8A8787"/>
-                </a:solidFill>
-                <a:effectLst/>
-              </a:rPr>
-              <a:t>font-weight</a:t>
-            </a:r>
-            <a:r>
-              <a:rPr lang="es-ES" sz="1000" b="0" i="1" dirty="0">
-                <a:solidFill>
-                  <a:srgbClr val="8A8787"/>
-                </a:solidFill>
-                <a:effectLst/>
-              </a:rPr>
-              <a:t>" tome el valor del padre, es decir "</a:t>
-            </a:r>
-            <a:r>
-              <a:rPr lang="es-ES" sz="1000" b="0" i="1" dirty="0" err="1">
-                <a:solidFill>
-                  <a:srgbClr val="8A8787"/>
-                </a:solidFill>
-                <a:effectLst/>
-              </a:rPr>
-              <a:t>bold</a:t>
-            </a:r>
-            <a:r>
-              <a:rPr lang="es-ES" sz="1000" b="0" i="1" dirty="0">
-                <a:solidFill>
-                  <a:srgbClr val="8A8787"/>
-                </a:solidFill>
-                <a:effectLst/>
-              </a:rPr>
-              <a:t>" (</a:t>
-            </a:r>
-            <a:r>
-              <a:rPr lang="es-ES" sz="1000" b="0" i="1" dirty="0" err="1">
-                <a:solidFill>
-                  <a:srgbClr val="8A8787"/>
-                </a:solidFill>
-                <a:effectLst/>
-              </a:rPr>
-              <a:t>unset</a:t>
-            </a:r>
-            <a:r>
-              <a:rPr lang="es-ES" sz="1000" b="0" i="1" dirty="0">
-                <a:solidFill>
-                  <a:srgbClr val="8A8787"/>
-                </a:solidFill>
-                <a:effectLst/>
-              </a:rPr>
-              <a:t> en este caso </a:t>
-            </a:r>
-            <a:r>
-              <a:rPr lang="es-ES" sz="1000" b="0" i="1" dirty="0" err="1">
-                <a:solidFill>
-                  <a:srgbClr val="8A8787"/>
-                </a:solidFill>
-                <a:effectLst/>
-              </a:rPr>
-              <a:t>actua</a:t>
-            </a:r>
-            <a:r>
-              <a:rPr lang="es-ES" sz="1000" b="0" i="1" dirty="0">
-                <a:solidFill>
-                  <a:srgbClr val="8A8787"/>
-                </a:solidFill>
-                <a:effectLst/>
-              </a:rPr>
-              <a:t> como </a:t>
-            </a:r>
-            <a:r>
-              <a:rPr lang="es-ES" sz="1000" b="0" i="1" dirty="0" err="1">
-                <a:solidFill>
-                  <a:srgbClr val="8A8787"/>
-                </a:solidFill>
-                <a:effectLst/>
-              </a:rPr>
-              <a:t>inherit</a:t>
-            </a:r>
-            <a:r>
-              <a:rPr lang="es-ES" sz="1000" b="0" i="1" dirty="0">
-                <a:solidFill>
-                  <a:srgbClr val="8A8787"/>
-                </a:solidFill>
-                <a:effectLst/>
-              </a:rPr>
-              <a:t>) --&gt;</a:t>
+              <a:t>&lt;!-- Unset en el h3 hace que su propiedad "font-weight" tome el valor del padre, es decir "bold" (unset en este caso actúa como inherit) --&gt;</a:t>
             </a:r>
             <a:endParaRPr lang="es-ES" sz="1000" b="0" dirty="0">
               <a:solidFill>
@@ -18115,7 +17511,7 @@
               <a:t>&lt;</a:t>
             </a:r>
             <a:r>
-              <a:rPr lang="es-ES" sz="1000" b="0" dirty="0" err="1">
+              <a:rPr lang="es-ES" sz="1000" b="0" dirty="0">
                 <a:solidFill>
                   <a:srgbClr val="FF2C6B"/>
                 </a:solidFill>
@@ -18177,7 +17573,7 @@
               <a:t> </a:t>
             </a:r>
             <a:r>
-              <a:rPr lang="es-ES" sz="1000" b="0" dirty="0" err="1">
+              <a:rPr lang="es-ES" sz="1000" b="0" dirty="0">
                 <a:solidFill>
                   <a:srgbClr val="FFCC95"/>
                 </a:solidFill>
@@ -18204,40 +17600,13 @@
               <a:t>"</a:t>
             </a:r>
             <a:r>
-              <a:rPr lang="es-ES" sz="1000" b="0" dirty="0" err="1">
-                <a:solidFill>
-                  <a:srgbClr val="00ABC1"/>
-                </a:solidFill>
-                <a:effectLst/>
-              </a:rPr>
-              <a:t>font-weight</a:t>
-            </a:r>
-            <a:r>
               <a:rPr lang="es-ES" sz="1000" b="0" dirty="0">
                 <a:solidFill>
                   <a:srgbClr val="00ABC1"/>
                 </a:solidFill>
                 <a:effectLst/>
               </a:rPr>
-              <a:t>: </a:t>
-            </a:r>
-            <a:r>
-              <a:rPr lang="es-ES" sz="1000" b="0" dirty="0" err="1">
-                <a:solidFill>
-                  <a:srgbClr val="00ABC1"/>
-                </a:solidFill>
-                <a:effectLst/>
-              </a:rPr>
-              <a:t>unset</a:t>
-            </a:r>
-            <a:r>
-              <a:rPr lang="es-ES" sz="1000" b="0" dirty="0">
-                <a:solidFill>
-                  <a:srgbClr val="00ABC1"/>
-                </a:solidFill>
-                <a:effectLst/>
-              </a:rPr>
-              <a:t>;</a:t>
+              <a:t>font-weight: unset;</a:t>
             </a:r>
             <a:r>
               <a:rPr lang="es-ES" sz="1000" b="0" dirty="0">
@@ -18302,7 +17671,7 @@
               <a:t>&lt;/</a:t>
             </a:r>
             <a:r>
-              <a:rPr lang="es-ES" sz="1000" b="0" dirty="0" err="1">
+              <a:rPr lang="es-ES" sz="1000" b="0" dirty="0">
                 <a:solidFill>
                   <a:srgbClr val="FF2C6B"/>
                 </a:solidFill>
@@ -18351,79 +17720,7 @@
                 </a:solidFill>
                 <a:effectLst/>
               </a:rPr>
-              <a:t>&lt;!-- </a:t>
-            </a:r>
-            <a:r>
-              <a:rPr lang="es-ES" sz="1000" b="0" i="1" dirty="0" err="1">
-                <a:solidFill>
-                  <a:srgbClr val="8A8787"/>
-                </a:solidFill>
-                <a:effectLst/>
-              </a:rPr>
-              <a:t>Revert</a:t>
-            </a:r>
-            <a:r>
-              <a:rPr lang="es-ES" sz="1000" b="0" i="1" dirty="0">
-                <a:solidFill>
-                  <a:srgbClr val="8A8787"/>
-                </a:solidFill>
-                <a:effectLst/>
-              </a:rPr>
-              <a:t> restablece el texto como "</a:t>
-            </a:r>
-            <a:r>
-              <a:rPr lang="es-ES" sz="1000" b="0" i="1" dirty="0" err="1">
-                <a:solidFill>
-                  <a:srgbClr val="8A8787"/>
-                </a:solidFill>
-                <a:effectLst/>
-              </a:rPr>
-              <a:t>font-weight</a:t>
-            </a:r>
-            <a:r>
-              <a:rPr lang="es-ES" sz="1000" b="0" i="1" dirty="0">
-                <a:solidFill>
-                  <a:srgbClr val="8A8787"/>
-                </a:solidFill>
-                <a:effectLst/>
-              </a:rPr>
-              <a:t>: </a:t>
-            </a:r>
-            <a:r>
-              <a:rPr lang="es-ES" sz="1000" b="0" i="1" dirty="0" err="1">
-                <a:solidFill>
-                  <a:srgbClr val="8A8787"/>
-                </a:solidFill>
-                <a:effectLst/>
-              </a:rPr>
-              <a:t>bold</a:t>
-            </a:r>
-            <a:r>
-              <a:rPr lang="es-ES" sz="1000" b="0" i="1" dirty="0">
-                <a:solidFill>
-                  <a:srgbClr val="8A8787"/>
-                </a:solidFill>
-                <a:effectLst/>
-              </a:rPr>
-              <a:t>" porque este es el valor por defecto de la propiedad "</a:t>
-            </a:r>
-            <a:r>
-              <a:rPr lang="es-ES" sz="1000" b="0" i="1" dirty="0" err="1">
-                <a:solidFill>
-                  <a:srgbClr val="8A8787"/>
-                </a:solidFill>
-                <a:effectLst/>
-              </a:rPr>
-              <a:t>font-weight</a:t>
-            </a:r>
-            <a:r>
-              <a:rPr lang="es-ES" sz="1000" b="0" i="1" dirty="0">
-                <a:solidFill>
-                  <a:srgbClr val="8A8787"/>
-                </a:solidFill>
-                <a:effectLst/>
-              </a:rPr>
-              <a:t>" en el elemento "h3" --&gt;</a:t>
+              <a:t>&lt;!-- Revert restablece el texto como "font-weight: bold" porque este es el valor por defecto de la propiedad "font-weight" en el elemento "h3" --&gt;</a:t>
             </a:r>
             <a:endParaRPr lang="es-ES" sz="1000" b="0" dirty="0">
               <a:solidFill>
@@ -18470,7 +17767,7 @@
               <a:t> </a:t>
             </a:r>
             <a:r>
-              <a:rPr lang="es-ES" sz="1000" b="0" dirty="0" err="1">
+              <a:rPr lang="es-ES" sz="1000" b="0" dirty="0">
                 <a:solidFill>
                   <a:srgbClr val="FFCC95"/>
                 </a:solidFill>
@@ -18497,40 +17794,13 @@
               <a:t>"</a:t>
             </a:r>
             <a:r>
-              <a:rPr lang="es-ES" sz="1000" b="0" dirty="0" err="1">
-                <a:solidFill>
-                  <a:srgbClr val="00ABC1"/>
-                </a:solidFill>
-                <a:effectLst/>
-              </a:rPr>
-              <a:t>font-weight</a:t>
-            </a:r>
-            <a:r>
               <a:rPr lang="es-ES" sz="1000" b="0" dirty="0">
                 <a:solidFill>
                   <a:srgbClr val="00ABC1"/>
                 </a:solidFill>
                 <a:effectLst/>
               </a:rPr>
-              <a:t>: </a:t>
-            </a:r>
-            <a:r>
-              <a:rPr lang="es-ES" sz="1000" b="0" dirty="0" err="1">
-                <a:solidFill>
-                  <a:srgbClr val="00ABC1"/>
-                </a:solidFill>
-                <a:effectLst/>
-              </a:rPr>
-              <a:t>revert</a:t>
-            </a:r>
-            <a:r>
-              <a:rPr lang="es-ES" sz="1000" b="0" dirty="0">
-                <a:solidFill>
-                  <a:srgbClr val="00ABC1"/>
-                </a:solidFill>
-                <a:effectLst/>
-              </a:rPr>
-              <a:t>;</a:t>
+              <a:t>font-weight: revert;</a:t>
             </a:r>
             <a:r>
               <a:rPr lang="es-ES" sz="1000" b="0" dirty="0">
@@ -20819,7 +20089,7 @@
             <a:lstStyle/>
             <a:p>
               <a:pPr algn="ctr"/>
-              <a:endParaRPr lang="es-ES"/>
+              <a:endParaRPr lang="es-ES" dirty="0"/>
             </a:p>
           </p:txBody>
         </p:sp>
@@ -20932,7 +20202,7 @@
                 <a:t>&gt;</a:t>
               </a:r>
               <a:r>
-                <a:rPr lang="en-US" sz="1100" dirty="0" err="1">
+                <a:rPr lang="en-US" sz="1100" dirty="0">
                   <a:solidFill>
                     <a:srgbClr val="E6E6E6"/>
                   </a:solidFill>
@@ -21038,7 +20308,7 @@
             <a:lstStyle/>
             <a:p>
               <a:pPr algn="ctr"/>
-              <a:endParaRPr lang="es-ES"/>
+              <a:endParaRPr lang="es-ES" dirty="0"/>
             </a:p>
           </p:txBody>
         </p:sp>
@@ -21108,17 +20378,7 @@
                   <a:effectLst/>
                   <a:latin typeface="DejaVu Sans Mono"/>
                 </a:rPr>
-                <a:t>...</a:t>
-              </a:r>
-              <a:r>
-                <a:rPr lang="es-ES" sz="1100" b="0" dirty="0" err="1">
-                  <a:solidFill>
-                    <a:srgbClr val="E6E6E6"/>
-                  </a:solidFill>
-                  <a:effectLst/>
-                  <a:latin typeface="DejaVu Sans Mono"/>
-                </a:rPr>
-                <a:t>styles</a:t>
+                <a:t>...styles</a:t>
               </a:r>
               <a:r>
                 <a:rPr lang="es-ES" sz="1100" b="0" dirty="0">
@@ -21210,7 +20470,7 @@
             <a:lstStyle/>
             <a:p>
               <a:pPr algn="ctr"/>
-              <a:endParaRPr lang="es-ES"/>
+              <a:endParaRPr lang="es-ES" dirty="0"/>
             </a:p>
           </p:txBody>
         </p:sp>
@@ -21255,17 +20515,7 @@
                   <a:effectLst/>
                   <a:latin typeface="DejaVu Sans Mono"/>
                 </a:rPr>
-                <a:t>.</a:t>
-              </a:r>
-              <a:r>
-                <a:rPr lang="es-ES" sz="900" b="0" dirty="0" err="1">
-                  <a:solidFill>
-                    <a:srgbClr val="FFCC95"/>
-                  </a:solidFill>
-                  <a:effectLst/>
-                  <a:latin typeface="DejaVu Sans Mono"/>
-                </a:rPr>
-                <a:t>code</a:t>
+                <a:t>.code</a:t>
               </a:r>
               <a:r>
                 <a:rPr lang="es-ES" sz="900" b="0" dirty="0">
@@ -21295,17 +20545,7 @@
                   <a:effectLst/>
                   <a:latin typeface="DejaVu Sans Mono"/>
                 </a:rPr>
-                <a:t>...</a:t>
-              </a:r>
-              <a:r>
-                <a:rPr lang="es-ES" sz="900" b="0" dirty="0" err="1">
-                  <a:solidFill>
-                    <a:srgbClr val="E6E6E6"/>
-                  </a:solidFill>
-                  <a:effectLst/>
-                  <a:latin typeface="DejaVu Sans Mono"/>
-                </a:rPr>
-                <a:t>styles</a:t>
+                <a:t>...styles</a:t>
               </a:r>
               <a:r>
                 <a:rPr lang="es-ES" sz="900" b="0" dirty="0">
@@ -21351,7 +20591,7 @@
                 <a:t>[</a:t>
               </a:r>
               <a:r>
-                <a:rPr lang="es-ES" sz="900" dirty="0" err="1">
+                <a:rPr lang="es-ES" sz="900" dirty="0">
                   <a:solidFill>
                     <a:srgbClr val="DD8AA3"/>
                   </a:solidFill>
@@ -21380,7 +20620,7 @@
                 <a:t>“</a:t>
               </a:r>
               <a:r>
-                <a:rPr lang="es-ES" sz="900" b="0" dirty="0" err="1">
+                <a:rPr lang="es-ES" sz="900" b="0" dirty="0">
                   <a:solidFill>
                     <a:srgbClr val="00ABC1"/>
                   </a:solidFill>
@@ -21437,17 +20677,7 @@
                   <a:effectLst/>
                   <a:latin typeface="DejaVu Sans Mono"/>
                 </a:rPr>
-                <a:t>...</a:t>
-              </a:r>
-              <a:r>
-                <a:rPr lang="es-ES" sz="900" b="0" dirty="0" err="1">
-                  <a:solidFill>
-                    <a:srgbClr val="E6E6E6"/>
-                  </a:solidFill>
-                  <a:effectLst/>
-                  <a:latin typeface="DejaVu Sans Mono"/>
-                </a:rPr>
-                <a:t>styles</a:t>
+                <a:t>...styles</a:t>
               </a:r>
               <a:r>
                 <a:rPr lang="es-ES" sz="900" b="0" dirty="0">
@@ -21520,17 +20750,7 @@
                   <a:effectLst/>
                   <a:latin typeface="DejaVu Sans Mono"/>
                 </a:rPr>
-                <a:t>...</a:t>
-              </a:r>
-              <a:r>
-                <a:rPr lang="es-ES" sz="900" b="0" dirty="0" err="1">
-                  <a:solidFill>
-                    <a:srgbClr val="E6E6E6"/>
-                  </a:solidFill>
-                  <a:effectLst/>
-                  <a:latin typeface="DejaVu Sans Mono"/>
-                </a:rPr>
-                <a:t>styles</a:t>
+                <a:t>...styles</a:t>
               </a:r>
               <a:r>
                 <a:rPr lang="es-ES" sz="900" b="0" dirty="0">
@@ -21622,7 +20842,7 @@
             <a:lstStyle/>
             <a:p>
               <a:pPr algn="ctr"/>
-              <a:endParaRPr lang="es-ES" sz="1400"/>
+              <a:endParaRPr lang="es-ES" sz="1400" dirty="0"/>
             </a:p>
           </p:txBody>
         </p:sp>
@@ -21715,7 +20935,7 @@
                 <a:t>"</a:t>
               </a:r>
               <a:r>
-                <a:rPr lang="es-ES" sz="1400" b="0" dirty="0" err="1">
+                <a:rPr lang="es-ES" sz="1400" b="0" dirty="0">
                   <a:solidFill>
                     <a:srgbClr val="00ABC1"/>
                   </a:solidFill>
@@ -21745,7 +20965,7 @@
                 <a:t> </a:t>
               </a:r>
               <a:r>
-                <a:rPr lang="es-ES" sz="1400" b="0" dirty="0" err="1">
+                <a:rPr lang="es-ES" sz="1400" b="0" dirty="0">
                   <a:solidFill>
                     <a:srgbClr val="FFCC95"/>
                   </a:solidFill>
@@ -21775,7 +20995,7 @@
                 <a:t>"</a:t>
               </a:r>
               <a:r>
-                <a:rPr lang="es-ES" sz="1400" b="0" dirty="0" err="1">
+                <a:rPr lang="es-ES" sz="1400" b="0" dirty="0">
                   <a:solidFill>
                     <a:srgbClr val="00ABC1"/>
                   </a:solidFill>
@@ -21805,7 +21025,7 @@
                 <a:t> </a:t>
               </a:r>
               <a:r>
-                <a:rPr lang="es-ES" sz="1400" b="0" dirty="0" err="1">
+                <a:rPr lang="es-ES" sz="1400" b="0" dirty="0">
                   <a:solidFill>
                     <a:srgbClr val="FFCC95"/>
                   </a:solidFill>
@@ -21835,7 +21055,7 @@
                 <a:t>“</a:t>
               </a:r>
               <a:r>
-                <a:rPr lang="es-ES" sz="1400" b="0" dirty="0" err="1">
+                <a:rPr lang="es-ES" sz="1400" b="0" dirty="0">
                   <a:solidFill>
                     <a:srgbClr val="00ABC1"/>
                   </a:solidFill>
@@ -21984,7 +21204,7 @@
             <a:lstStyle/>
             <a:p>
               <a:pPr algn="ctr"/>
-              <a:endParaRPr lang="es-ES"/>
+              <a:endParaRPr lang="es-ES" dirty="0"/>
             </a:p>
           </p:txBody>
         </p:sp>
@@ -22049,17 +21269,7 @@
                   <a:effectLst/>
                   <a:latin typeface="DejaVu Sans Mono"/>
                 </a:rPr>
-                <a:t>...</a:t>
-              </a:r>
-              <a:r>
-                <a:rPr lang="es-ES" sz="1000" b="0" dirty="0" err="1">
-                  <a:solidFill>
-                    <a:srgbClr val="E6E6E6"/>
-                  </a:solidFill>
-                  <a:effectLst/>
-                  <a:latin typeface="DejaVu Sans Mono"/>
-                </a:rPr>
-                <a:t>styles</a:t>
+                <a:t>...styles</a:t>
               </a:r>
               <a:r>
                 <a:rPr lang="es-ES" sz="1000" b="0" dirty="0">
@@ -22132,17 +21342,7 @@
                   <a:effectLst/>
                   <a:latin typeface="DejaVu Sans Mono"/>
                 </a:rPr>
-                <a:t>...</a:t>
-              </a:r>
-              <a:r>
-                <a:rPr lang="es-ES" sz="1000" b="0" dirty="0" err="1">
-                  <a:solidFill>
-                    <a:srgbClr val="E6E6E6"/>
-                  </a:solidFill>
-                  <a:effectLst/>
-                  <a:latin typeface="DejaVu Sans Mono"/>
-                </a:rPr>
-                <a:t>styles</a:t>
+                <a:t>...styles</a:t>
               </a:r>
               <a:r>
                 <a:rPr lang="es-ES" sz="1000" b="0" dirty="0">
@@ -23015,23 +22215,8 @@
                 </a:solidFill>
                 <a:latin typeface="Montserrat SemiBold" panose="00000700000000000000" pitchFamily="2" charset="0"/>
               </a:rPr>
-              <a:t>!</a:t>
+              <a:t>!important</a:t>
             </a:r>
-            <a:r>
-              <a:rPr lang="es-ES_tradnl" sz="3600" spc="-300" dirty="0" err="1">
-                <a:solidFill>
-                  <a:srgbClr val="FF0000"/>
-                </a:solidFill>
-                <a:latin typeface="Montserrat SemiBold" panose="00000700000000000000" pitchFamily="2" charset="0"/>
-              </a:rPr>
-              <a:t>important</a:t>
-            </a:r>
-            <a:endParaRPr lang="es-ES_tradnl" sz="3600" spc="-300" dirty="0">
-              <a:solidFill>
-                <a:srgbClr val="FF0000"/>
-              </a:solidFill>
-              <a:latin typeface="Montserrat SemiBold" panose="00000700000000000000" pitchFamily="2" charset="0"/>
-            </a:endParaRPr>
           </a:p>
         </p:txBody>
       </p:sp>
@@ -23244,15 +22429,7 @@
             </a:r>
             <a:r>
               <a:rPr lang="es-ES" b="1" dirty="0"/>
-              <a:t>!</a:t>
-            </a:r>
-            <a:r>
-              <a:rPr lang="es-ES" b="1" dirty="0" err="1"/>
-              <a:t>important</a:t>
-            </a:r>
-            <a:r>
-              <a:rPr lang="es-ES" b="1" dirty="0"/>
-              <a:t> </a:t>
+              <a:t>!important </a:t>
             </a:r>
             <a:r>
               <a:rPr lang="es-ES" dirty="0"/>
@@ -23330,7 +22507,7 @@
             <a:lstStyle/>
             <a:p>
               <a:pPr algn="ctr"/>
-              <a:endParaRPr lang="es-ES"/>
+              <a:endParaRPr lang="es-ES" dirty="0"/>
             </a:p>
           </p:txBody>
         </p:sp>
@@ -23430,17 +22607,7 @@
                   <a:effectLst/>
                   <a:latin typeface="DejaVu Sans Mono"/>
                 </a:rPr>
-                <a:t> !</a:t>
-              </a:r>
-              <a:r>
-                <a:rPr lang="es-ES" sz="1100" b="0" dirty="0" err="1">
-                  <a:solidFill>
-                    <a:srgbClr val="7CC0D1"/>
-                  </a:solidFill>
-                  <a:effectLst/>
-                  <a:latin typeface="DejaVu Sans Mono"/>
-                </a:rPr>
-                <a:t>important</a:t>
+                <a:t> !important</a:t>
               </a:r>
               <a:r>
                 <a:rPr lang="es-ES" sz="1100" b="0" dirty="0">
@@ -23655,27 +22822,7 @@
                     </a:schemeClr>
                   </a:solidFill>
                 </a:rPr>
-                <a:t>El uso de !</a:t>
-              </a:r>
-              <a:r>
-                <a:rPr lang="es-ES" sz="1600" b="1" dirty="0" err="1">
-                  <a:solidFill>
-                    <a:schemeClr val="bg2">
-                      <a:lumMod val="10000"/>
-                    </a:schemeClr>
-                  </a:solidFill>
-                </a:rPr>
-                <a:t>important</a:t>
-              </a:r>
-              <a:r>
-                <a:rPr lang="es-ES" sz="1600" b="1" dirty="0">
-                  <a:solidFill>
-                    <a:schemeClr val="bg2">
-                      <a:lumMod val="10000"/>
-                    </a:schemeClr>
-                  </a:solidFill>
-                </a:rPr>
-                <a:t> está considerado como una mala práctica</a:t>
+                <a:t>El uso de !important está considerado como una mala práctica</a:t>
               </a:r>
               <a:endParaRPr lang="es-ES_tradnl" sz="1600" b="1" dirty="0">
                 <a:solidFill>
@@ -24587,7 +23734,7 @@
               </a:tabLst>
             </a:pPr>
             <a:r>
-              <a:rPr lang="en-US" sz="4800" spc="-300" dirty="0" err="1">
+              <a:rPr lang="en-US" sz="4800" spc="-300" dirty="0">
                 <a:solidFill>
                   <a:schemeClr val="bg1">
                     <a:lumMod val="50000"/>
@@ -24597,14 +23744,6 @@
               </a:rPr>
               <a:t>Cascada</a:t>
             </a:r>
-            <a:endParaRPr lang="en-US" sz="4800" spc="-300" dirty="0">
-              <a:solidFill>
-                <a:schemeClr val="bg1">
-                  <a:lumMod val="50000"/>
-                </a:schemeClr>
-              </a:solidFill>
-              <a:latin typeface="Montserrat SemiBold" panose="00000700000000000000" pitchFamily="2" charset="0"/>
-            </a:endParaRPr>
           </a:p>
         </p:txBody>
       </p:sp>
@@ -24666,73 +23805,7 @@
                 </a:solidFill>
                 <a:latin typeface="+mn-lt"/>
               </a:rPr>
-              <a:t>El </a:t>
-            </a:r>
-            <a:r>
-              <a:rPr lang="en-US" sz="4000" spc="-300" dirty="0" err="1">
-                <a:solidFill>
-                  <a:schemeClr val="bg1">
-                    <a:lumMod val="50000"/>
-                  </a:schemeClr>
-                </a:solidFill>
-                <a:latin typeface="+mn-lt"/>
-              </a:rPr>
-              <a:t>orden</a:t>
-            </a:r>
-            <a:r>
-              <a:rPr lang="en-US" sz="4000" spc="-300" dirty="0">
-                <a:solidFill>
-                  <a:schemeClr val="bg1">
-                    <a:lumMod val="50000"/>
-                  </a:schemeClr>
-                </a:solidFill>
-                <a:latin typeface="+mn-lt"/>
-              </a:rPr>
-              <a:t> de las </a:t>
-            </a:r>
-            <a:r>
-              <a:rPr lang="en-US" sz="4000" spc="-300" dirty="0" err="1">
-                <a:solidFill>
-                  <a:schemeClr val="bg1">
-                    <a:lumMod val="50000"/>
-                  </a:schemeClr>
-                </a:solidFill>
-                <a:latin typeface="+mn-lt"/>
-              </a:rPr>
-              <a:t>reglas</a:t>
-            </a:r>
-            <a:r>
-              <a:rPr lang="en-US" sz="4000" spc="-300" dirty="0">
-                <a:solidFill>
-                  <a:schemeClr val="bg1">
-                    <a:lumMod val="50000"/>
-                  </a:schemeClr>
-                </a:solidFill>
-                <a:latin typeface="+mn-lt"/>
-              </a:rPr>
-              <a:t> </a:t>
-            </a:r>
-            <a:r>
-              <a:rPr lang="en-US" sz="4000" spc="-300" dirty="0" err="1">
-                <a:solidFill>
-                  <a:schemeClr val="bg1">
-                    <a:lumMod val="50000"/>
-                  </a:schemeClr>
-                </a:solidFill>
-                <a:latin typeface="+mn-lt"/>
-              </a:rPr>
-              <a:t>en</a:t>
-            </a:r>
-            <a:r>
-              <a:rPr lang="en-US" sz="4000" spc="-300" dirty="0">
-                <a:solidFill>
-                  <a:schemeClr val="bg1">
-                    <a:lumMod val="50000"/>
-                  </a:schemeClr>
-                </a:solidFill>
-                <a:latin typeface="+mn-lt"/>
-              </a:rPr>
-              <a:t> CSS</a:t>
+              <a:t>El orden de las reglas en CSS</a:t>
             </a:r>
           </a:p>
         </p:txBody>
@@ -25125,61 +24198,14 @@
           </a:bodyPr>
           <a:lstStyle/>
           <a:p>
+            <a:pPr algn="just"/>
             <a:r>
               <a:rPr lang="es-ES" sz="1400" i="1" dirty="0">
                 <a:solidFill>
                   <a:schemeClr val="bg1"/>
                 </a:solidFill>
               </a:rPr>
-              <a:t>CSS significa hojas de estilo en cascada (</a:t>
-            </a:r>
-            <a:r>
-              <a:rPr lang="es-ES" sz="1400" i="1" dirty="0" err="1">
-                <a:solidFill>
-                  <a:schemeClr val="bg1"/>
-                </a:solidFill>
-              </a:rPr>
-              <a:t>cascading</a:t>
-            </a:r>
-            <a:r>
-              <a:rPr lang="es-ES" sz="1400" i="1" dirty="0">
-                <a:solidFill>
-                  <a:schemeClr val="bg1"/>
-                </a:solidFill>
-              </a:rPr>
-              <a:t> </a:t>
-            </a:r>
-            <a:r>
-              <a:rPr lang="es-ES" sz="1400" i="1" dirty="0" err="1">
-                <a:solidFill>
-                  <a:schemeClr val="bg1"/>
-                </a:solidFill>
-              </a:rPr>
-              <a:t>style</a:t>
-            </a:r>
-            <a:r>
-              <a:rPr lang="es-ES" sz="1400" i="1" dirty="0">
-                <a:solidFill>
-                  <a:schemeClr val="bg1"/>
-                </a:solidFill>
-              </a:rPr>
-              <a:t> </a:t>
-            </a:r>
-            <a:r>
-              <a:rPr lang="es-ES" sz="1400" i="1" dirty="0" err="1">
-                <a:solidFill>
-                  <a:schemeClr val="bg1"/>
-                </a:solidFill>
-              </a:rPr>
-              <a:t>sheets</a:t>
-            </a:r>
-            <a:r>
-              <a:rPr lang="es-ES" sz="1400" i="1" dirty="0">
-                <a:solidFill>
-                  <a:schemeClr val="bg1"/>
-                </a:solidFill>
-              </a:rPr>
-              <a:t>). La cascada, y el concepto estrechamente relacionado de especificidad son mecanismos que controlan qué regla se aplica cuando aparecen conflictos. La cascada en las hojas de estilo significa que el orden de las reglas importa en CSS: cuando dos reglas tienen la misma especificidad, se aplica la que aparece en último lugar en el CSS</a:t>
+              <a:t>CSS significa hojas de estilo en cascada (cascading style sheets). La cascada, y el concepto estrechamente relacionado de especificidad son mecanismos que controlan qué regla se aplica cuando aparecen conflictos. La cascada en las hojas de estilo significa que el orden de las reglas importa en CSS: cuando dos reglas tienen la misma especificidad, se aplica la que aparece en último lugar en el CSS</a:t>
             </a:r>
           </a:p>
         </p:txBody>
@@ -26093,7 +25119,7 @@
               </a:tabLst>
             </a:pPr>
             <a:r>
-              <a:rPr lang="en-US" sz="4800" spc="-300" dirty="0" err="1">
+              <a:rPr lang="en-US" sz="4800" spc="-300" dirty="0">
                 <a:solidFill>
                   <a:schemeClr val="bg1">
                     <a:lumMod val="50000"/>
@@ -26103,14 +25129,6 @@
               </a:rPr>
               <a:t>Herencia</a:t>
             </a:r>
-            <a:endParaRPr lang="en-US" sz="4800" spc="-300" dirty="0">
-              <a:solidFill>
-                <a:schemeClr val="bg1">
-                  <a:lumMod val="50000"/>
-                </a:schemeClr>
-              </a:solidFill>
-              <a:latin typeface="Montserrat SemiBold" panose="00000700000000000000" pitchFamily="2" charset="0"/>
-            </a:endParaRPr>
           </a:p>
         </p:txBody>
       </p:sp>
